--- a/Presentaciones PP/003-Hola Mundo - Parte 3.pptx
+++ b/Presentaciones PP/003-Hola Mundo - Parte 3.pptx
@@ -8090,6 +8090,10 @@
               <a:rPr lang="es-419"/>
               <a:t>Ejercicios</a:t>
             </a:r>
+            <a:r>
+              <a:rPr lang="es-419"/>
+              <a:t> funciones de strings</a:t>
+            </a:r>
             <a:endParaRPr/>
           </a:p>
         </p:txBody>
@@ -8125,11 +8129,35 @@
                 <a:spcPts val="0"/>
               </a:spcAft>
               <a:buSzPts val="1800"/>
-              <a:buChar char="●"/>
+              <a:buAutoNum type="arabicPeriod" startAt="7"/>
             </a:pPr>
             <a:r>
               <a:rPr lang="es-419" sz="1800"/>
-              <a:t>Pedir un String por teclado y un substring de este String, imprimir el índice de la primera y última ocurrencia del substring dentro del string.</a:t>
+              <a:t>Pedir un </a:t>
+            </a:r>
+            <a:r>
+              <a:rPr lang="es-419"/>
+              <a:t>s</a:t>
+            </a:r>
+            <a:r>
+              <a:rPr lang="es-419" sz="1800"/>
+              <a:t>tring y </a:t>
+            </a:r>
+            <a:r>
+              <a:rPr lang="es-419"/>
+              <a:t> luego un substring del primero.</a:t>
+            </a:r>
+            <a:r>
+              <a:rPr lang="es-419" sz="1800"/>
+              <a:t> </a:t>
+            </a:r>
+            <a:r>
+              <a:rPr lang="es-419"/>
+              <a:t>I</a:t>
+            </a:r>
+            <a:r>
+              <a:rPr lang="es-419" sz="1800"/>
+              <a:t>mprimir el índice de la primera y última ocurrencia del substring dentro del string.</a:t>
             </a:r>
             <a:endParaRPr sz="1800"/>
           </a:p>
@@ -8142,7 +8170,7 @@
                 <a:spcPts val="0"/>
               </a:spcAft>
               <a:buSzPts val="1800"/>
-              <a:buChar char="●"/>
+              <a:buAutoNum type="arabicPeriod" startAt="7"/>
             </a:pPr>
             <a:r>
               <a:rPr lang="es-419" sz="1800"/>
@@ -8191,7 +8219,7 @@
                 <a:spcPts val="0"/>
               </a:spcAft>
               <a:buSzPts val="1800"/>
-              <a:buChar char="●"/>
+              <a:buAutoNum type="arabicPeriod" startAt="7"/>
             </a:pPr>
             <a:r>
               <a:rPr lang="es-419" sz="1800"/>
@@ -8208,11 +8236,19 @@
                 <a:spcPts val="0"/>
               </a:spcAft>
               <a:buSzPts val="1800"/>
-              <a:buChar char="●"/>
+              <a:buAutoNum type="arabicPeriod" startAt="7"/>
             </a:pPr>
             <a:r>
               <a:rPr lang="es-419" sz="1800"/>
-              <a:t>Mostrar el substring entre las posiciones 4 y 9 de un String dado. Asuma que la longitud del String es mayor a 10.</a:t>
+              <a:t>Mostrar el substring entre las posiciones 4 y 9 de un String </a:t>
+            </a:r>
+            <a:r>
+              <a:rPr lang="es-419"/>
+              <a:t>ingresad por teclado</a:t>
+            </a:r>
+            <a:r>
+              <a:rPr lang="es-419" sz="1800"/>
+              <a:t>. Asuma que la longitud del String es mayor a 10.</a:t>
             </a:r>
             <a:endParaRPr sz="1800"/>
           </a:p>
@@ -8307,7 +8343,7 @@
             </a:pPr>
             <a:r>
               <a:rPr lang="es-419"/>
-              <a:t>Ejercicios</a:t>
+              <a:t>Ejercicios strings y operadores</a:t>
             </a:r>
             <a:endParaRPr/>
           </a:p>
@@ -8344,11 +8380,11 @@
                 <a:spcPts val="0"/>
               </a:spcAft>
               <a:buSzPts val="1800"/>
-              <a:buChar char="●"/>
+              <a:buAutoNum type="arabicPeriod"/>
             </a:pPr>
             <a:r>
               <a:rPr lang="es-419" sz="1800"/>
-              <a:t>Hacer un programa que imprima booleano que indique si un string comienza por vocal. Tomar en cuenta acentos del idioma español. Asumir que el string viene siempre en minúsculas.</a:t>
+              <a:t>Hacer un programa que imprima booleano que indique si un string solicitado por teclado comienza por vocal. Tomar en cuenta acentos del idioma español. Asumir que el string viene siempre en minúsculas.</a:t>
             </a:r>
             <a:endParaRPr sz="1800"/>
           </a:p>
@@ -8361,11 +8397,27 @@
                 <a:spcPts val="0"/>
               </a:spcAft>
               <a:buSzPts val="1800"/>
-              <a:buChar char="●"/>
+              <a:buAutoNum type="arabicPeriod"/>
             </a:pPr>
             <a:r>
               <a:rPr lang="es-419" sz="1800"/>
-              <a:t>Pedir un string por teclado e imprimir un booleano que indique si el string está todo en mayúsculas.</a:t>
+              <a:t>Pedir un string por teclado e imprimir un booleano que indique si el string está todo en mayúsculas. Tomar en cuenta acentos</a:t>
+            </a:r>
+            <a:r>
+              <a:rPr lang="es-419"/>
+              <a:t> y </a:t>
+            </a:r>
+            <a:r>
+              <a:rPr lang="es-419" sz="1800"/>
+              <a:t> diéresis </a:t>
+            </a:r>
+            <a:r>
+              <a:rPr lang="es-419"/>
+              <a:t>usados en castellano, así como la</a:t>
+            </a:r>
+            <a:r>
+              <a:rPr lang="es-419" sz="1800"/>
+              <a:t> eñe.</a:t>
             </a:r>
             <a:endParaRPr sz="1800"/>
           </a:p>
@@ -8475,7 +8527,26 @@
             </a:pPr>
             <a:r>
               <a:rPr lang="es-419"/>
-              <a:t>Ejercicios</a:t>
+              <a:t>Ejercicios </a:t>
+            </a:r>
+            <a:r>
+              <a:rPr lang="es-419"/>
+              <a:t>strings y operadores</a:t>
+            </a:r>
+            <a:endParaRPr/>
+          </a:p>
+          <a:p>
+            <a:pPr indent="0" lvl="0" marL="0" rtl="0" algn="l">
+              <a:spcBef>
+                <a:spcPts val="0"/>
+              </a:spcBef>
+              <a:spcAft>
+                <a:spcPts val="0"/>
+              </a:spcAft>
+              <a:buNone/>
+            </a:pPr>
+            <a:r>
+              <a:t/>
             </a:r>
             <a:endParaRPr/>
           </a:p>
@@ -8512,11 +8583,19 @@
                 <a:spcPts val="0"/>
               </a:spcAft>
               <a:buSzPts val="1800"/>
-              <a:buChar char="●"/>
+              <a:buAutoNum type="arabicPeriod" startAt="3"/>
             </a:pPr>
             <a:r>
               <a:rPr lang="es-419" sz="1800"/>
-              <a:t>Reemplazar un string con N palabras separadas por un espacio a un nombre de variable en snake case, además el nombre en snake case debe quedar todo en minúsculas. Ejemplo si la entrada es Suma Valores el programa debe imprimir </a:t>
+              <a:t>Reemplazar un string solicitado por teclado </a:t>
+            </a:r>
+            <a:r>
+              <a:rPr lang="es-419"/>
+              <a:t>que tiene</a:t>
+            </a:r>
+            <a:r>
+              <a:rPr lang="es-419" sz="1800"/>
+              <a:t> N &gt; 1 palabras separadas por un espacio a un nombre de variable en snake case, además el nombre en snake case debe quedar todo en minúsculas. Ejemplo si la entrada es Suma Valores el programa debe imprimir </a:t>
             </a:r>
             <a:r>
               <a:rPr lang="es-419" sz="1800">
@@ -8532,9 +8611,13 @@
             </a:r>
             <a:r>
               <a:rPr lang="es-419" sz="1800"/>
-              <a:t>.</a:t>
-            </a:r>
-            <a:endParaRPr sz="1800"/>
+              <a:t>. Intente hacer lo mismo para crear el string en </a:t>
+            </a:r>
+            <a:r>
+              <a:rPr lang="es-419"/>
+              <a:t>Camel Case y Pascal Case.</a:t>
+            </a:r>
+            <a:endParaRPr/>
           </a:p>
           <a:p>
             <a:pPr indent="-342900" lvl="0" marL="457200" rtl="0" algn="l">
@@ -8545,7 +8628,7 @@
                 <a:spcPts val="0"/>
               </a:spcAft>
               <a:buSzPts val="1800"/>
-              <a:buChar char="●"/>
+              <a:buAutoNum type="arabicPeriod" startAt="3"/>
             </a:pPr>
             <a:r>
               <a:rPr lang="es-419" sz="1800"/>
@@ -8967,7 +9050,7 @@
             <a:tbl>
               <a:tblPr>
                 <a:noFill/>
-                <a:tableStyleId>{DAB2DFE2-9AE4-4405-802E-86BED752CBFB}</a:tableStyleId>
+                <a:tableStyleId>{E4AEC3CE-DC5D-42E1-BE0A-AD6819948B03}</a:tableStyleId>
               </a:tblPr>
               <a:tblGrid>
                 <a:gridCol w="1371850"/>
@@ -9930,7 +10013,7 @@
             <a:tbl>
               <a:tblPr>
                 <a:noFill/>
-                <a:tableStyleId>{DAB2DFE2-9AE4-4405-802E-86BED752CBFB}</a:tableStyleId>
+                <a:tableStyleId>{E4AEC3CE-DC5D-42E1-BE0A-AD6819948B03}</a:tableStyleId>
               </a:tblPr>
               <a:tblGrid>
                 <a:gridCol w="1333375"/>
@@ -11049,7 +11132,7 @@
             <a:tbl>
               <a:tblPr>
                 <a:noFill/>
-                <a:tableStyleId>{DAB2DFE2-9AE4-4405-802E-86BED752CBFB}</a:tableStyleId>
+                <a:tableStyleId>{E4AEC3CE-DC5D-42E1-BE0A-AD6819948B03}</a:tableStyleId>
               </a:tblPr>
               <a:tblGrid>
                 <a:gridCol w="2413000"/>
@@ -11718,7 +11801,7 @@
             <a:tbl>
               <a:tblPr>
                 <a:noFill/>
-                <a:tableStyleId>{DAB2DFE2-9AE4-4405-802E-86BED752CBFB}</a:tableStyleId>
+                <a:tableStyleId>{E4AEC3CE-DC5D-42E1-BE0A-AD6819948B03}</a:tableStyleId>
               </a:tblPr>
               <a:tblGrid>
                 <a:gridCol w="2413000"/>
@@ -13616,7 +13699,7 @@
             </a:pPr>
             <a:r>
               <a:rPr lang="es-419"/>
-              <a:t>Ejercicios</a:t>
+              <a:t>Ejercicios funciones de strings</a:t>
             </a:r>
             <a:endParaRPr/>
           </a:p>
@@ -13653,7 +13736,7 @@
                 <a:spcPts val="0"/>
               </a:spcAft>
               <a:buSzPts val="1800"/>
-              <a:buChar char="●"/>
+              <a:buAutoNum type="arabicPeriod"/>
             </a:pPr>
             <a:r>
               <a:rPr lang="es-419" sz="1800"/>
@@ -13674,7 +13757,11 @@
             </a:pPr>
             <a:r>
               <a:rPr lang="es-419" sz="1800"/>
-              <a:t>Imprimir la longitud de un string y el tamaño en bytes de un string</a:t>
+              <a:t>Mostrar su </a:t>
+            </a:r>
+            <a:r>
+              <a:rPr lang="es-419" sz="1800"/>
+              <a:t> longitud y tamaño bytes.</a:t>
             </a:r>
             <a:endParaRPr sz="1800"/>
           </a:p>
@@ -13712,11 +13799,23 @@
                 <a:spcPts val="0"/>
               </a:spcAft>
               <a:buSzPts val="1800"/>
-              <a:buChar char="●"/>
+              <a:buAutoNum type="arabicPeriod"/>
             </a:pPr>
             <a:r>
               <a:rPr lang="es-419" sz="1800"/>
-              <a:t>Pedir por teclado 2 string y mostrar la concatenación de strings</a:t>
+              <a:t>Pedir por teclado 2 string</a:t>
+            </a:r>
+            <a:r>
+              <a:rPr lang="es-419"/>
+              <a:t>s</a:t>
+            </a:r>
+            <a:r>
+              <a:rPr lang="es-419" sz="1800"/>
+              <a:t> y mostrar la concatenación de </a:t>
+            </a:r>
+            <a:r>
+              <a:rPr lang="es-419"/>
+              <a:t>ellos.</a:t>
             </a:r>
             <a:endParaRPr sz="1800"/>
           </a:p>
@@ -13729,11 +13828,15 @@
                 <a:spcPts val="0"/>
               </a:spcAft>
               <a:buSzPts val="1800"/>
-              <a:buChar char="●"/>
+              <a:buAutoNum type="arabicPeriod"/>
             </a:pPr>
             <a:r>
+              <a:rPr lang="es-419"/>
+              <a:t>Pedir por teclado un String y m</a:t>
+            </a:r>
+            <a:r>
               <a:rPr lang="es-419" sz="1800"/>
-              <a:t>Mostrar el índice de primera y última ocurrencia del caracter X dentro de un string</a:t>
+              <a:t>ostrar el índice de primera y última ocurrencia del caracter X dentro de un string	.</a:t>
             </a:r>
             <a:endParaRPr sz="1800"/>
           </a:p>
@@ -13746,7 +13849,7 @@
                 <a:spcPts val="0"/>
               </a:spcAft>
               <a:buSzPts val="1800"/>
-              <a:buChar char="●"/>
+              <a:buAutoNum type="arabicPeriod"/>
             </a:pPr>
             <a:r>
               <a:rPr lang="es-419" sz="1800"/>
@@ -13782,7 +13885,7 @@
             </a:r>
             <a:r>
               <a:rPr lang="es-419" sz="1800"/>
-              <a:t>) imprimir la extensión del archivo</a:t>
+              <a:t>) imprimir la extensión del archivo.</a:t>
             </a:r>
             <a:endParaRPr sz="1800"/>
           </a:p>
@@ -13795,11 +13898,11 @@
                 <a:spcPts val="0"/>
               </a:spcAft>
               <a:buSzPts val="1800"/>
-              <a:buChar char="●"/>
+              <a:buAutoNum type="arabicPeriod"/>
             </a:pPr>
             <a:r>
               <a:rPr lang="es-419" sz="1800"/>
-              <a:t>Mostrar el substring que consta de los 3 primeros caracteres de un string</a:t>
+              <a:t>Mostrar el substring que consta de los 3 primeros caracteres de un string.</a:t>
             </a:r>
             <a:endParaRPr sz="1800"/>
           </a:p>
@@ -13812,11 +13915,15 @@
                 <a:spcPts val="0"/>
               </a:spcAft>
               <a:buSzPts val="1800"/>
-              <a:buChar char="●"/>
+              <a:buAutoNum type="arabicPeriod"/>
             </a:pPr>
             <a:r>
               <a:rPr lang="es-419" sz="1800"/>
-              <a:t>Mostrar el substring entre las posiciones 4 y 5 de un String dado</a:t>
+              <a:t>Mostrar el substring entre las posiciones 4 y 5 (inclusiva)  de un </a:t>
+            </a:r>
+            <a:r>
+              <a:rPr lang="es-419"/>
+              <a:t>string solicitado por teclado.</a:t>
             </a:r>
             <a:endParaRPr sz="1800"/>
           </a:p>
@@ -13861,6 +13968,285 @@
 </file>
 
 <file path=ppt/theme/theme1.xml><?xml version="1.0" encoding="utf-8"?>
+<a:theme xmlns:a="http://schemas.openxmlformats.org/drawingml/2006/main" xmlns:r="http://schemas.openxmlformats.org/officeDocument/2006/relationships" name="Spearmint">
+  <a:themeElements>
+    <a:clrScheme name="Spearmint">
+      <a:dk1>
+        <a:srgbClr val="202729"/>
+      </a:dk1>
+      <a:lt1>
+        <a:srgbClr val="FFFFFF"/>
+      </a:lt1>
+      <a:dk2>
+        <a:srgbClr val="4BA173"/>
+      </a:dk2>
+      <a:lt2>
+        <a:srgbClr val="63D297"/>
+      </a:lt2>
+      <a:accent1>
+        <a:srgbClr val="353744"/>
+      </a:accent1>
+      <a:accent2>
+        <a:srgbClr val="424242"/>
+      </a:accent2>
+      <a:accent3>
+        <a:srgbClr val="616161"/>
+      </a:accent3>
+      <a:accent4>
+        <a:srgbClr val="999999"/>
+      </a:accent4>
+      <a:accent5>
+        <a:srgbClr val="FF5252"/>
+      </a:accent5>
+      <a:accent6>
+        <a:srgbClr val="FFF176"/>
+      </a:accent6>
+      <a:hlink>
+        <a:srgbClr val="FF5252"/>
+      </a:hlink>
+      <a:folHlink>
+        <a:srgbClr val="FF5252"/>
+      </a:folHlink>
+    </a:clrScheme>
+    <a:fontScheme name="Office">
+      <a:majorFont>
+        <a:latin typeface="Arial"/>
+        <a:ea typeface=""/>
+        <a:cs typeface=""/>
+        <a:font script="Jpan" typeface="ＭＳ Ｐゴシック"/>
+        <a:font script="Hang" typeface="맑은 고딕"/>
+        <a:font script="Hans" typeface="宋体"/>
+        <a:font script="Hant" typeface="新細明體"/>
+        <a:font script="Arab" typeface="Times New Roman"/>
+        <a:font script="Hebr" typeface="Times New Roman"/>
+        <a:font script="Thai" typeface="Angsana New"/>
+        <a:font script="Ethi" typeface="Nyala"/>
+        <a:font script="Beng" typeface="Vrinda"/>
+        <a:font script="Gujr" typeface="Shruti"/>
+        <a:font script="Khmr" typeface="MoolBoran"/>
+        <a:font script="Knda" typeface="Tunga"/>
+        <a:font script="Guru" typeface="Raavi"/>
+        <a:font script="Cans" typeface="Euphemia"/>
+        <a:font script="Cher" typeface="Plantagenet Cherokee"/>
+        <a:font script="Yiii" typeface="Microsoft Yi Baiti"/>
+        <a:font script="Tibt" typeface="Microsoft Himalaya"/>
+        <a:font script="Thaa" typeface="MV Boli"/>
+        <a:font script="Deva" typeface="Mangal"/>
+        <a:font script="Telu" typeface="Gautami"/>
+        <a:font script="Taml" typeface="Latha"/>
+        <a:font script="Syrc" typeface="Estrangelo Edessa"/>
+        <a:font script="Orya" typeface="Kalinga"/>
+        <a:font script="Mlym" typeface="Kartika"/>
+        <a:font script="Laoo" typeface="DokChampa"/>
+        <a:font script="Sinh" typeface="Iskoola Pota"/>
+        <a:font script="Mong" typeface="Mongolian Baiti"/>
+        <a:font script="Viet" typeface="Times New Roman"/>
+        <a:font script="Uigh" typeface="Microsoft Uighur"/>
+        <a:font script="Geor" typeface="Sylfaen"/>
+      </a:majorFont>
+      <a:minorFont>
+        <a:latin typeface="Arial"/>
+        <a:ea typeface=""/>
+        <a:cs typeface=""/>
+        <a:font script="Jpan" typeface="ＭＳ Ｐゴシック"/>
+        <a:font script="Hang" typeface="맑은 고딕"/>
+        <a:font script="Hans" typeface="宋体"/>
+        <a:font script="Hant" typeface="新細明體"/>
+        <a:font script="Arab" typeface="Arial"/>
+        <a:font script="Hebr" typeface="Arial"/>
+        <a:font script="Thai" typeface="Cordia New"/>
+        <a:font script="Ethi" typeface="Nyala"/>
+        <a:font script="Beng" typeface="Vrinda"/>
+        <a:font script="Gujr" typeface="Shruti"/>
+        <a:font script="Khmr" typeface="DaunPenh"/>
+        <a:font script="Knda" typeface="Tunga"/>
+        <a:font script="Guru" typeface="Raavi"/>
+        <a:font script="Cans" typeface="Euphemia"/>
+        <a:font script="Cher" typeface="Plantagenet Cherokee"/>
+        <a:font script="Yiii" typeface="Microsoft Yi Baiti"/>
+        <a:font script="Tibt" typeface="Microsoft Himalaya"/>
+        <a:font script="Thaa" typeface="MV Boli"/>
+        <a:font script="Deva" typeface="Mangal"/>
+        <a:font script="Telu" typeface="Gautami"/>
+        <a:font script="Taml" typeface="Latha"/>
+        <a:font script="Syrc" typeface="Estrangelo Edessa"/>
+        <a:font script="Orya" typeface="Kalinga"/>
+        <a:font script="Mlym" typeface="Kartika"/>
+        <a:font script="Laoo" typeface="DokChampa"/>
+        <a:font script="Sinh" typeface="Iskoola Pota"/>
+        <a:font script="Mong" typeface="Mongolian Baiti"/>
+        <a:font script="Viet" typeface="Arial"/>
+        <a:font script="Uigh" typeface="Microsoft Uighur"/>
+        <a:font script="Geor" typeface="Sylfaen"/>
+      </a:minorFont>
+    </a:fontScheme>
+    <a:fmtScheme name="Office">
+      <a:fillStyleLst>
+        <a:solidFill>
+          <a:schemeClr val="phClr"/>
+        </a:solidFill>
+        <a:gradFill rotWithShape="1">
+          <a:gsLst>
+            <a:gs pos="0">
+              <a:schemeClr val="phClr">
+                <a:tint val="50000"/>
+                <a:satMod val="300000"/>
+              </a:schemeClr>
+            </a:gs>
+            <a:gs pos="35000">
+              <a:schemeClr val="phClr">
+                <a:tint val="37000"/>
+                <a:satMod val="300000"/>
+              </a:schemeClr>
+            </a:gs>
+            <a:gs pos="100000">
+              <a:schemeClr val="phClr">
+                <a:tint val="15000"/>
+                <a:satMod val="350000"/>
+              </a:schemeClr>
+            </a:gs>
+          </a:gsLst>
+          <a:lin ang="16200000" scaled="1"/>
+        </a:gradFill>
+        <a:gradFill rotWithShape="1">
+          <a:gsLst>
+            <a:gs pos="0">
+              <a:schemeClr val="phClr">
+                <a:tint val="100000"/>
+                <a:shade val="100000"/>
+                <a:satMod val="130000"/>
+              </a:schemeClr>
+            </a:gs>
+            <a:gs pos="100000">
+              <a:schemeClr val="phClr">
+                <a:tint val="50000"/>
+                <a:shade val="100000"/>
+                <a:satMod val="350000"/>
+              </a:schemeClr>
+            </a:gs>
+          </a:gsLst>
+          <a:lin ang="16200000" scaled="0"/>
+        </a:gradFill>
+      </a:fillStyleLst>
+      <a:lnStyleLst>
+        <a:ln w="9525" cap="flat" cmpd="sng" algn="ctr">
+          <a:solidFill>
+            <a:schemeClr val="phClr">
+              <a:shade val="95000"/>
+              <a:satMod val="105000"/>
+            </a:schemeClr>
+          </a:solidFill>
+          <a:prstDash val="solid"/>
+        </a:ln>
+        <a:ln w="25400" cap="flat" cmpd="sng" algn="ctr">
+          <a:solidFill>
+            <a:schemeClr val="phClr"/>
+          </a:solidFill>
+          <a:prstDash val="solid"/>
+        </a:ln>
+        <a:ln w="38100" cap="flat" cmpd="sng" algn="ctr">
+          <a:solidFill>
+            <a:schemeClr val="phClr"/>
+          </a:solidFill>
+          <a:prstDash val="solid"/>
+        </a:ln>
+      </a:lnStyleLst>
+      <a:effectStyleLst>
+        <a:effectStyle>
+          <a:effectLst>
+            <a:outerShdw blurRad="40000" dist="20000" dir="5400000" rotWithShape="0">
+              <a:srgbClr val="000000">
+                <a:alpha val="38000"/>
+              </a:srgbClr>
+            </a:outerShdw>
+          </a:effectLst>
+        </a:effectStyle>
+        <a:effectStyle>
+          <a:effectLst>
+            <a:outerShdw blurRad="40000" dist="23000" dir="5400000" rotWithShape="0">
+              <a:srgbClr val="000000">
+                <a:alpha val="35000"/>
+              </a:srgbClr>
+            </a:outerShdw>
+          </a:effectLst>
+        </a:effectStyle>
+        <a:effectStyle>
+          <a:effectLst>
+            <a:outerShdw blurRad="40000" dist="23000" dir="5400000" rotWithShape="0">
+              <a:srgbClr val="000000">
+                <a:alpha val="35000"/>
+              </a:srgbClr>
+            </a:outerShdw>
+          </a:effectLst>
+          <a:scene3d>
+            <a:camera prst="orthographicFront">
+              <a:rot lat="0" lon="0" rev="0"/>
+            </a:camera>
+            <a:lightRig rig="threePt" dir="t">
+              <a:rot lat="0" lon="0" rev="1200000"/>
+            </a:lightRig>
+          </a:scene3d>
+          <a:sp3d>
+            <a:bevelT w="63500" h="25400"/>
+          </a:sp3d>
+        </a:effectStyle>
+      </a:effectStyleLst>
+      <a:bgFillStyleLst>
+        <a:solidFill>
+          <a:schemeClr val="phClr"/>
+        </a:solidFill>
+        <a:gradFill rotWithShape="1">
+          <a:gsLst>
+            <a:gs pos="0">
+              <a:schemeClr val="phClr">
+                <a:tint val="40000"/>
+                <a:satMod val="350000"/>
+              </a:schemeClr>
+            </a:gs>
+            <a:gs pos="40000">
+              <a:schemeClr val="phClr">
+                <a:tint val="45000"/>
+                <a:shade val="99000"/>
+                <a:satMod val="350000"/>
+              </a:schemeClr>
+            </a:gs>
+            <a:gs pos="100000">
+              <a:schemeClr val="phClr">
+                <a:shade val="20000"/>
+                <a:satMod val="255000"/>
+              </a:schemeClr>
+            </a:gs>
+          </a:gsLst>
+          <a:path path="circle">
+            <a:fillToRect l="50000" t="-80000" r="50000" b="180000"/>
+          </a:path>
+        </a:gradFill>
+        <a:gradFill rotWithShape="1">
+          <a:gsLst>
+            <a:gs pos="0">
+              <a:schemeClr val="phClr">
+                <a:tint val="80000"/>
+                <a:satMod val="300000"/>
+              </a:schemeClr>
+            </a:gs>
+            <a:gs pos="100000">
+              <a:schemeClr val="phClr">
+                <a:shade val="30000"/>
+                <a:satMod val="200000"/>
+              </a:schemeClr>
+            </a:gs>
+          </a:gsLst>
+          <a:path path="circle">
+            <a:fillToRect l="50000" t="50000" r="50000" b="50000"/>
+          </a:path>
+        </a:gradFill>
+      </a:bgFillStyleLst>
+    </a:fmtScheme>
+  </a:themeElements>
+</a:theme>
+</file>
+
+<file path=ppt/theme/theme2.xml><?xml version="1.0" encoding="utf-8"?>
 <a:theme xmlns:a="http://schemas.openxmlformats.org/drawingml/2006/main" xmlns:r="http://schemas.openxmlformats.org/officeDocument/2006/relationships">
   <a:themeElements>
     <a:clrScheme name="Default">
@@ -14137,283 +14523,4 @@
     </a:fmtScheme>
   </a:themeElements>
 </a:theme>
-</file>
-
-<file path=ppt/theme/theme2.xml><?xml version="1.0" encoding="utf-8"?>
-<a:theme xmlns:a="http://schemas.openxmlformats.org/drawingml/2006/main" xmlns:r="http://schemas.openxmlformats.org/officeDocument/2006/relationships" name="Spearmint">
-  <a:themeElements>
-    <a:clrScheme name="Spearmint">
-      <a:dk1>
-        <a:srgbClr val="202729"/>
-      </a:dk1>
-      <a:lt1>
-        <a:srgbClr val="FFFFFF"/>
-      </a:lt1>
-      <a:dk2>
-        <a:srgbClr val="4BA173"/>
-      </a:dk2>
-      <a:lt2>
-        <a:srgbClr val="63D297"/>
-      </a:lt2>
-      <a:accent1>
-        <a:srgbClr val="353744"/>
-      </a:accent1>
-      <a:accent2>
-        <a:srgbClr val="424242"/>
-      </a:accent2>
-      <a:accent3>
-        <a:srgbClr val="616161"/>
-      </a:accent3>
-      <a:accent4>
-        <a:srgbClr val="999999"/>
-      </a:accent4>
-      <a:accent5>
-        <a:srgbClr val="FF5252"/>
-      </a:accent5>
-      <a:accent6>
-        <a:srgbClr val="FFF176"/>
-      </a:accent6>
-      <a:hlink>
-        <a:srgbClr val="FF5252"/>
-      </a:hlink>
-      <a:folHlink>
-        <a:srgbClr val="FF5252"/>
-      </a:folHlink>
-    </a:clrScheme>
-    <a:fontScheme name="Office">
-      <a:majorFont>
-        <a:latin typeface="Arial"/>
-        <a:ea typeface=""/>
-        <a:cs typeface=""/>
-        <a:font script="Jpan" typeface="ＭＳ Ｐゴシック"/>
-        <a:font script="Hang" typeface="맑은 고딕"/>
-        <a:font script="Hans" typeface="宋体"/>
-        <a:font script="Hant" typeface="新細明體"/>
-        <a:font script="Arab" typeface="Times New Roman"/>
-        <a:font script="Hebr" typeface="Times New Roman"/>
-        <a:font script="Thai" typeface="Angsana New"/>
-        <a:font script="Ethi" typeface="Nyala"/>
-        <a:font script="Beng" typeface="Vrinda"/>
-        <a:font script="Gujr" typeface="Shruti"/>
-        <a:font script="Khmr" typeface="MoolBoran"/>
-        <a:font script="Knda" typeface="Tunga"/>
-        <a:font script="Guru" typeface="Raavi"/>
-        <a:font script="Cans" typeface="Euphemia"/>
-        <a:font script="Cher" typeface="Plantagenet Cherokee"/>
-        <a:font script="Yiii" typeface="Microsoft Yi Baiti"/>
-        <a:font script="Tibt" typeface="Microsoft Himalaya"/>
-        <a:font script="Thaa" typeface="MV Boli"/>
-        <a:font script="Deva" typeface="Mangal"/>
-        <a:font script="Telu" typeface="Gautami"/>
-        <a:font script="Taml" typeface="Latha"/>
-        <a:font script="Syrc" typeface="Estrangelo Edessa"/>
-        <a:font script="Orya" typeface="Kalinga"/>
-        <a:font script="Mlym" typeface="Kartika"/>
-        <a:font script="Laoo" typeface="DokChampa"/>
-        <a:font script="Sinh" typeface="Iskoola Pota"/>
-        <a:font script="Mong" typeface="Mongolian Baiti"/>
-        <a:font script="Viet" typeface="Times New Roman"/>
-        <a:font script="Uigh" typeface="Microsoft Uighur"/>
-        <a:font script="Geor" typeface="Sylfaen"/>
-      </a:majorFont>
-      <a:minorFont>
-        <a:latin typeface="Arial"/>
-        <a:ea typeface=""/>
-        <a:cs typeface=""/>
-        <a:font script="Jpan" typeface="ＭＳ Ｐゴシック"/>
-        <a:font script="Hang" typeface="맑은 고딕"/>
-        <a:font script="Hans" typeface="宋体"/>
-        <a:font script="Hant" typeface="新細明體"/>
-        <a:font script="Arab" typeface="Arial"/>
-        <a:font script="Hebr" typeface="Arial"/>
-        <a:font script="Thai" typeface="Cordia New"/>
-        <a:font script="Ethi" typeface="Nyala"/>
-        <a:font script="Beng" typeface="Vrinda"/>
-        <a:font script="Gujr" typeface="Shruti"/>
-        <a:font script="Khmr" typeface="DaunPenh"/>
-        <a:font script="Knda" typeface="Tunga"/>
-        <a:font script="Guru" typeface="Raavi"/>
-        <a:font script="Cans" typeface="Euphemia"/>
-        <a:font script="Cher" typeface="Plantagenet Cherokee"/>
-        <a:font script="Yiii" typeface="Microsoft Yi Baiti"/>
-        <a:font script="Tibt" typeface="Microsoft Himalaya"/>
-        <a:font script="Thaa" typeface="MV Boli"/>
-        <a:font script="Deva" typeface="Mangal"/>
-        <a:font script="Telu" typeface="Gautami"/>
-        <a:font script="Taml" typeface="Latha"/>
-        <a:font script="Syrc" typeface="Estrangelo Edessa"/>
-        <a:font script="Orya" typeface="Kalinga"/>
-        <a:font script="Mlym" typeface="Kartika"/>
-        <a:font script="Laoo" typeface="DokChampa"/>
-        <a:font script="Sinh" typeface="Iskoola Pota"/>
-        <a:font script="Mong" typeface="Mongolian Baiti"/>
-        <a:font script="Viet" typeface="Arial"/>
-        <a:font script="Uigh" typeface="Microsoft Uighur"/>
-        <a:font script="Geor" typeface="Sylfaen"/>
-      </a:minorFont>
-    </a:fontScheme>
-    <a:fmtScheme name="Office">
-      <a:fillStyleLst>
-        <a:solidFill>
-          <a:schemeClr val="phClr"/>
-        </a:solidFill>
-        <a:gradFill rotWithShape="1">
-          <a:gsLst>
-            <a:gs pos="0">
-              <a:schemeClr val="phClr">
-                <a:tint val="50000"/>
-                <a:satMod val="300000"/>
-              </a:schemeClr>
-            </a:gs>
-            <a:gs pos="35000">
-              <a:schemeClr val="phClr">
-                <a:tint val="37000"/>
-                <a:satMod val="300000"/>
-              </a:schemeClr>
-            </a:gs>
-            <a:gs pos="100000">
-              <a:schemeClr val="phClr">
-                <a:tint val="15000"/>
-                <a:satMod val="350000"/>
-              </a:schemeClr>
-            </a:gs>
-          </a:gsLst>
-          <a:lin ang="16200000" scaled="1"/>
-        </a:gradFill>
-        <a:gradFill rotWithShape="1">
-          <a:gsLst>
-            <a:gs pos="0">
-              <a:schemeClr val="phClr">
-                <a:tint val="100000"/>
-                <a:shade val="100000"/>
-                <a:satMod val="130000"/>
-              </a:schemeClr>
-            </a:gs>
-            <a:gs pos="100000">
-              <a:schemeClr val="phClr">
-                <a:tint val="50000"/>
-                <a:shade val="100000"/>
-                <a:satMod val="350000"/>
-              </a:schemeClr>
-            </a:gs>
-          </a:gsLst>
-          <a:lin ang="16200000" scaled="0"/>
-        </a:gradFill>
-      </a:fillStyleLst>
-      <a:lnStyleLst>
-        <a:ln w="9525" cap="flat" cmpd="sng" algn="ctr">
-          <a:solidFill>
-            <a:schemeClr val="phClr">
-              <a:shade val="95000"/>
-              <a:satMod val="105000"/>
-            </a:schemeClr>
-          </a:solidFill>
-          <a:prstDash val="solid"/>
-        </a:ln>
-        <a:ln w="25400" cap="flat" cmpd="sng" algn="ctr">
-          <a:solidFill>
-            <a:schemeClr val="phClr"/>
-          </a:solidFill>
-          <a:prstDash val="solid"/>
-        </a:ln>
-        <a:ln w="38100" cap="flat" cmpd="sng" algn="ctr">
-          <a:solidFill>
-            <a:schemeClr val="phClr"/>
-          </a:solidFill>
-          <a:prstDash val="solid"/>
-        </a:ln>
-      </a:lnStyleLst>
-      <a:effectStyleLst>
-        <a:effectStyle>
-          <a:effectLst>
-            <a:outerShdw blurRad="40000" dist="20000" dir="5400000" rotWithShape="0">
-              <a:srgbClr val="000000">
-                <a:alpha val="38000"/>
-              </a:srgbClr>
-            </a:outerShdw>
-          </a:effectLst>
-        </a:effectStyle>
-        <a:effectStyle>
-          <a:effectLst>
-            <a:outerShdw blurRad="40000" dist="23000" dir="5400000" rotWithShape="0">
-              <a:srgbClr val="000000">
-                <a:alpha val="35000"/>
-              </a:srgbClr>
-            </a:outerShdw>
-          </a:effectLst>
-        </a:effectStyle>
-        <a:effectStyle>
-          <a:effectLst>
-            <a:outerShdw blurRad="40000" dist="23000" dir="5400000" rotWithShape="0">
-              <a:srgbClr val="000000">
-                <a:alpha val="35000"/>
-              </a:srgbClr>
-            </a:outerShdw>
-          </a:effectLst>
-          <a:scene3d>
-            <a:camera prst="orthographicFront">
-              <a:rot lat="0" lon="0" rev="0"/>
-            </a:camera>
-            <a:lightRig rig="threePt" dir="t">
-              <a:rot lat="0" lon="0" rev="1200000"/>
-            </a:lightRig>
-          </a:scene3d>
-          <a:sp3d>
-            <a:bevelT w="63500" h="25400"/>
-          </a:sp3d>
-        </a:effectStyle>
-      </a:effectStyleLst>
-      <a:bgFillStyleLst>
-        <a:solidFill>
-          <a:schemeClr val="phClr"/>
-        </a:solidFill>
-        <a:gradFill rotWithShape="1">
-          <a:gsLst>
-            <a:gs pos="0">
-              <a:schemeClr val="phClr">
-                <a:tint val="40000"/>
-                <a:satMod val="350000"/>
-              </a:schemeClr>
-            </a:gs>
-            <a:gs pos="40000">
-              <a:schemeClr val="phClr">
-                <a:tint val="45000"/>
-                <a:shade val="99000"/>
-                <a:satMod val="350000"/>
-              </a:schemeClr>
-            </a:gs>
-            <a:gs pos="100000">
-              <a:schemeClr val="phClr">
-                <a:shade val="20000"/>
-                <a:satMod val="255000"/>
-              </a:schemeClr>
-            </a:gs>
-          </a:gsLst>
-          <a:path path="circle">
-            <a:fillToRect l="50000" t="-80000" r="50000" b="180000"/>
-          </a:path>
-        </a:gradFill>
-        <a:gradFill rotWithShape="1">
-          <a:gsLst>
-            <a:gs pos="0">
-              <a:schemeClr val="phClr">
-                <a:tint val="80000"/>
-                <a:satMod val="300000"/>
-              </a:schemeClr>
-            </a:gs>
-            <a:gs pos="100000">
-              <a:schemeClr val="phClr">
-                <a:shade val="30000"/>
-                <a:satMod val="200000"/>
-              </a:schemeClr>
-            </a:gs>
-          </a:gsLst>
-          <a:path path="circle">
-            <a:fillToRect l="50000" t="50000" r="50000" b="50000"/>
-          </a:path>
-        </a:gradFill>
-      </a:bgFillStyleLst>
-    </a:fmtScheme>
-  </a:themeElements>
-</a:theme>
 </file>